--- a/CoFE_toolbox/+post/logoSource.pptx
+++ b/CoFE_toolbox/+post/logoSource.pptx
@@ -6,6 +6,7 @@
   </p:sldMasterIdLst>
   <p:sldIdLst>
     <p:sldId id="256" r:id="rId2"/>
+    <p:sldId id="258" r:id="rId3"/>
   </p:sldIdLst>
   <p:sldSz cx="9144000" cy="6858000" type="screen4x3"/>
   <p:notesSz cx="6858000" cy="9144000"/>
@@ -104,6 +105,22 @@
       </a:defRPr>
     </a:lvl9pPr>
   </p:defaultTextStyle>
+  <p:extLst>
+    <p:ext uri="{EFAFB233-063F-42B5-8137-9DF3F51BA10A}">
+      <p15:sldGuideLst xmlns:p15="http://schemas.microsoft.com/office/powerpoint/2012/main">
+        <p15:guide id="1" orient="horz" pos="2160">
+          <p15:clr>
+            <a:srgbClr val="A4A3A4"/>
+          </p15:clr>
+        </p15:guide>
+        <p15:guide id="2" pos="2880">
+          <p15:clr>
+            <a:srgbClr val="A4A3A4"/>
+          </p15:clr>
+        </p15:guide>
+      </p15:sldGuideLst>
+    </p:ext>
+  </p:extLst>
 </p:presentation>
 </file>
 
@@ -288,7 +305,7 @@
           <a:p>
             <a:fld id="{087964F0-0428-4B4C-ACE6-63A0B5191F6F}" type="datetimeFigureOut">
               <a:rPr lang="en-US" smtClean="0"/>
-              <a:t>8/1/2013</a:t>
+              <a:t>10/11/2015</a:t>
             </a:fld>
             <a:endParaRPr lang="en-US"/>
           </a:p>
@@ -458,7 +475,7 @@
           <a:p>
             <a:fld id="{087964F0-0428-4B4C-ACE6-63A0B5191F6F}" type="datetimeFigureOut">
               <a:rPr lang="en-US" smtClean="0"/>
-              <a:t>8/1/2013</a:t>
+              <a:t>10/11/2015</a:t>
             </a:fld>
             <a:endParaRPr lang="en-US"/>
           </a:p>
@@ -638,7 +655,7 @@
           <a:p>
             <a:fld id="{087964F0-0428-4B4C-ACE6-63A0B5191F6F}" type="datetimeFigureOut">
               <a:rPr lang="en-US" smtClean="0"/>
-              <a:t>8/1/2013</a:t>
+              <a:t>10/11/2015</a:t>
             </a:fld>
             <a:endParaRPr lang="en-US"/>
           </a:p>
@@ -808,7 +825,7 @@
           <a:p>
             <a:fld id="{087964F0-0428-4B4C-ACE6-63A0B5191F6F}" type="datetimeFigureOut">
               <a:rPr lang="en-US" smtClean="0"/>
-              <a:t>8/1/2013</a:t>
+              <a:t>10/11/2015</a:t>
             </a:fld>
             <a:endParaRPr lang="en-US"/>
           </a:p>
@@ -1054,7 +1071,7 @@
           <a:p>
             <a:fld id="{087964F0-0428-4B4C-ACE6-63A0B5191F6F}" type="datetimeFigureOut">
               <a:rPr lang="en-US" smtClean="0"/>
-              <a:t>8/1/2013</a:t>
+              <a:t>10/11/2015</a:t>
             </a:fld>
             <a:endParaRPr lang="en-US"/>
           </a:p>
@@ -1342,7 +1359,7 @@
           <a:p>
             <a:fld id="{087964F0-0428-4B4C-ACE6-63A0B5191F6F}" type="datetimeFigureOut">
               <a:rPr lang="en-US" smtClean="0"/>
-              <a:t>8/1/2013</a:t>
+              <a:t>10/11/2015</a:t>
             </a:fld>
             <a:endParaRPr lang="en-US"/>
           </a:p>
@@ -1764,7 +1781,7 @@
           <a:p>
             <a:fld id="{087964F0-0428-4B4C-ACE6-63A0B5191F6F}" type="datetimeFigureOut">
               <a:rPr lang="en-US" smtClean="0"/>
-              <a:t>8/1/2013</a:t>
+              <a:t>10/11/2015</a:t>
             </a:fld>
             <a:endParaRPr lang="en-US"/>
           </a:p>
@@ -1882,7 +1899,7 @@
           <a:p>
             <a:fld id="{087964F0-0428-4B4C-ACE6-63A0B5191F6F}" type="datetimeFigureOut">
               <a:rPr lang="en-US" smtClean="0"/>
-              <a:t>8/1/2013</a:t>
+              <a:t>10/11/2015</a:t>
             </a:fld>
             <a:endParaRPr lang="en-US"/>
           </a:p>
@@ -1977,7 +1994,7 @@
           <a:p>
             <a:fld id="{087964F0-0428-4B4C-ACE6-63A0B5191F6F}" type="datetimeFigureOut">
               <a:rPr lang="en-US" smtClean="0"/>
-              <a:t>8/1/2013</a:t>
+              <a:t>10/11/2015</a:t>
             </a:fld>
             <a:endParaRPr lang="en-US"/>
           </a:p>
@@ -2254,7 +2271,7 @@
           <a:p>
             <a:fld id="{087964F0-0428-4B4C-ACE6-63A0B5191F6F}" type="datetimeFigureOut">
               <a:rPr lang="en-US" smtClean="0"/>
-              <a:t>8/1/2013</a:t>
+              <a:t>10/11/2015</a:t>
             </a:fld>
             <a:endParaRPr lang="en-US"/>
           </a:p>
@@ -2507,7 +2524,7 @@
           <a:p>
             <a:fld id="{087964F0-0428-4B4C-ACE6-63A0B5191F6F}" type="datetimeFigureOut">
               <a:rPr lang="en-US" smtClean="0"/>
-              <a:t>8/1/2013</a:t>
+              <a:t>10/11/2015</a:t>
             </a:fld>
             <a:endParaRPr lang="en-US"/>
           </a:p>
@@ -2720,7 +2737,7 @@
           <a:p>
             <a:fld id="{087964F0-0428-4B4C-ACE6-63A0B5191F6F}" type="datetimeFigureOut">
               <a:rPr lang="en-US" smtClean="0"/>
-              <a:t>8/1/2013</a:t>
+              <a:t>10/11/2015</a:t>
             </a:fld>
             <a:endParaRPr lang="en-US"/>
           </a:p>
@@ -3322,6 +3339,234 @@
     <p:extLst>
       <p:ext uri="{BB962C8B-B14F-4D97-AF65-F5344CB8AC3E}">
         <p14:creationId xmlns:p14="http://schemas.microsoft.com/office/powerpoint/2010/main" val="1240542333"/>
+      </p:ext>
+    </p:extLst>
+  </p:cSld>
+  <p:clrMapOvr>
+    <a:masterClrMapping/>
+  </p:clrMapOvr>
+</p:sld>
+</file>
+
+<file path=ppt/slides/slide2.xml><?xml version="1.0" encoding="utf-8"?>
+<p:sld xmlns:a="http://schemas.openxmlformats.org/drawingml/2006/main" xmlns:r="http://schemas.openxmlformats.org/officeDocument/2006/relationships" xmlns:p="http://schemas.openxmlformats.org/presentationml/2006/main">
+  <p:cSld>
+    <p:spTree>
+      <p:nvGrpSpPr>
+        <p:cNvPr id="1" name=""/>
+        <p:cNvGrpSpPr/>
+        <p:nvPr/>
+      </p:nvGrpSpPr>
+      <p:grpSpPr>
+        <a:xfrm>
+          <a:off x="0" y="0"/>
+          <a:ext cx="0" cy="0"/>
+          <a:chOff x="0" y="0"/>
+          <a:chExt cx="0" cy="0"/>
+        </a:xfrm>
+      </p:grpSpPr>
+      <p:pic>
+        <p:nvPicPr>
+          <p:cNvPr id="2" name="Picture 1"/>
+          <p:cNvPicPr>
+            <a:picLocks noChangeAspect="1"/>
+          </p:cNvPicPr>
+          <p:nvPr/>
+        </p:nvPicPr>
+        <p:blipFill rotWithShape="1">
+          <a:blip r:embed="rId2"/>
+          <a:srcRect l="34000" t="13408" r="21333" b="67598"/>
+          <a:stretch/>
+        </p:blipFill>
+        <p:spPr>
+          <a:xfrm>
+            <a:off x="0" y="-3017"/>
+            <a:ext cx="3505200" cy="1222217"/>
+          </a:xfrm>
+          <a:prstGeom prst="rect">
+            <a:avLst/>
+          </a:prstGeom>
+        </p:spPr>
+      </p:pic>
+      <p:pic>
+        <p:nvPicPr>
+          <p:cNvPr id="6" name="Picture 5"/>
+          <p:cNvPicPr>
+            <a:picLocks noChangeAspect="1"/>
+          </p:cNvPicPr>
+          <p:nvPr/>
+        </p:nvPicPr>
+        <p:blipFill>
+          <a:blip r:embed="rId3">
+            <a:clrChange>
+              <a:clrFrom>
+                <a:srgbClr val="FFFFFF"/>
+              </a:clrFrom>
+              <a:clrTo>
+                <a:srgbClr val="FFFFFF">
+                  <a:alpha val="0"/>
+                </a:srgbClr>
+              </a:clrTo>
+            </a:clrChange>
+          </a:blip>
+          <a:stretch>
+            <a:fillRect/>
+          </a:stretch>
+        </p:blipFill>
+        <p:spPr>
+          <a:xfrm>
+            <a:off x="1181100" y="41731"/>
+            <a:ext cx="2240964" cy="1117123"/>
+          </a:xfrm>
+          <a:prstGeom prst="rect">
+            <a:avLst/>
+          </a:prstGeom>
+          <a:noFill/>
+          <a:ln>
+            <a:noFill/>
+          </a:ln>
+        </p:spPr>
+      </p:pic>
+      <p:sp>
+        <p:nvSpPr>
+          <p:cNvPr id="7" name="TextBox 12"/>
+          <p:cNvSpPr txBox="1"/>
+          <p:nvPr/>
+        </p:nvSpPr>
+        <p:spPr>
+          <a:xfrm>
+            <a:off x="-10887" y="247471"/>
+            <a:ext cx="2531462" cy="1200329"/>
+          </a:xfrm>
+          <a:prstGeom prst="rect">
+            <a:avLst/>
+          </a:prstGeom>
+          <a:noFill/>
+        </p:spPr>
+        <p:txBody>
+          <a:bodyPr wrap="none" rtlCol="0">
+            <a:spAutoFit/>
+          </a:bodyPr>
+          <a:lstStyle>
+            <a:defPPr>
+              <a:defRPr lang="en-US"/>
+            </a:defPPr>
+            <a:lvl1pPr marL="0" algn="l" defTabSz="914400" rtl="0" eaLnBrk="1" latinLnBrk="0" hangingPunct="1">
+              <a:defRPr sz="1800" kern="1200">
+                <a:solidFill>
+                  <a:schemeClr val="tx1"/>
+                </a:solidFill>
+                <a:latin typeface="+mn-lt"/>
+                <a:ea typeface="+mn-ea"/>
+                <a:cs typeface="+mn-cs"/>
+              </a:defRPr>
+            </a:lvl1pPr>
+            <a:lvl2pPr marL="457200" algn="l" defTabSz="914400" rtl="0" eaLnBrk="1" latinLnBrk="0" hangingPunct="1">
+              <a:defRPr sz="1800" kern="1200">
+                <a:solidFill>
+                  <a:schemeClr val="tx1"/>
+                </a:solidFill>
+                <a:latin typeface="+mn-lt"/>
+                <a:ea typeface="+mn-ea"/>
+                <a:cs typeface="+mn-cs"/>
+              </a:defRPr>
+            </a:lvl2pPr>
+            <a:lvl3pPr marL="914400" algn="l" defTabSz="914400" rtl="0" eaLnBrk="1" latinLnBrk="0" hangingPunct="1">
+              <a:defRPr sz="1800" kern="1200">
+                <a:solidFill>
+                  <a:schemeClr val="tx1"/>
+                </a:solidFill>
+                <a:latin typeface="+mn-lt"/>
+                <a:ea typeface="+mn-ea"/>
+                <a:cs typeface="+mn-cs"/>
+              </a:defRPr>
+            </a:lvl3pPr>
+            <a:lvl4pPr marL="1371600" algn="l" defTabSz="914400" rtl="0" eaLnBrk="1" latinLnBrk="0" hangingPunct="1">
+              <a:defRPr sz="1800" kern="1200">
+                <a:solidFill>
+                  <a:schemeClr val="tx1"/>
+                </a:solidFill>
+                <a:latin typeface="+mn-lt"/>
+                <a:ea typeface="+mn-ea"/>
+                <a:cs typeface="+mn-cs"/>
+              </a:defRPr>
+            </a:lvl4pPr>
+            <a:lvl5pPr marL="1828800" algn="l" defTabSz="914400" rtl="0" eaLnBrk="1" latinLnBrk="0" hangingPunct="1">
+              <a:defRPr sz="1800" kern="1200">
+                <a:solidFill>
+                  <a:schemeClr val="tx1"/>
+                </a:solidFill>
+                <a:latin typeface="+mn-lt"/>
+                <a:ea typeface="+mn-ea"/>
+                <a:cs typeface="+mn-cs"/>
+              </a:defRPr>
+            </a:lvl5pPr>
+            <a:lvl6pPr marL="2286000" algn="l" defTabSz="914400" rtl="0" eaLnBrk="1" latinLnBrk="0" hangingPunct="1">
+              <a:defRPr sz="1800" kern="1200">
+                <a:solidFill>
+                  <a:schemeClr val="tx1"/>
+                </a:solidFill>
+                <a:latin typeface="+mn-lt"/>
+                <a:ea typeface="+mn-ea"/>
+                <a:cs typeface="+mn-cs"/>
+              </a:defRPr>
+            </a:lvl6pPr>
+            <a:lvl7pPr marL="2743200" algn="l" defTabSz="914400" rtl="0" eaLnBrk="1" latinLnBrk="0" hangingPunct="1">
+              <a:defRPr sz="1800" kern="1200">
+                <a:solidFill>
+                  <a:schemeClr val="tx1"/>
+                </a:solidFill>
+                <a:latin typeface="+mn-lt"/>
+                <a:ea typeface="+mn-ea"/>
+                <a:cs typeface="+mn-cs"/>
+              </a:defRPr>
+            </a:lvl7pPr>
+            <a:lvl8pPr marL="3200400" algn="l" defTabSz="914400" rtl="0" eaLnBrk="1" latinLnBrk="0" hangingPunct="1">
+              <a:defRPr sz="1800" kern="1200">
+                <a:solidFill>
+                  <a:schemeClr val="tx1"/>
+                </a:solidFill>
+                <a:latin typeface="+mn-lt"/>
+                <a:ea typeface="+mn-ea"/>
+                <a:cs typeface="+mn-cs"/>
+              </a:defRPr>
+            </a:lvl8pPr>
+            <a:lvl9pPr marL="3657600" algn="l" defTabSz="914400" rtl="0" eaLnBrk="1" latinLnBrk="0" hangingPunct="1">
+              <a:defRPr sz="1800" kern="1200">
+                <a:solidFill>
+                  <a:schemeClr val="tx1"/>
+                </a:solidFill>
+                <a:latin typeface="+mn-lt"/>
+                <a:ea typeface="+mn-ea"/>
+                <a:cs typeface="+mn-cs"/>
+              </a:defRPr>
+            </a:lvl9pPr>
+          </a:lstStyle>
+          <a:p>
+            <a:r>
+              <a:rPr lang="en-US" sz="7200" dirty="0" smtClean="0">
+                <a:solidFill>
+                  <a:srgbClr val="F2E2CC"/>
+                </a:solidFill>
+                <a:latin typeface="Segoe Print" panose="02000600000000000000" pitchFamily="2" charset="0"/>
+                <a:cs typeface="Courier New" panose="02070309020205020404" pitchFamily="49" charset="0"/>
+              </a:rPr>
+              <a:t>CoFE</a:t>
+            </a:r>
+            <a:endParaRPr lang="en-US" sz="7200" dirty="0">
+              <a:solidFill>
+                <a:srgbClr val="F2E2CC"/>
+              </a:solidFill>
+              <a:latin typeface="Segoe Print" panose="02000600000000000000" pitchFamily="2" charset="0"/>
+              <a:cs typeface="Courier New" panose="02070309020205020404" pitchFamily="49" charset="0"/>
+            </a:endParaRPr>
+          </a:p>
+        </p:txBody>
+      </p:sp>
+    </p:spTree>
+    <p:extLst>
+      <p:ext uri="{BB962C8B-B14F-4D97-AF65-F5344CB8AC3E}">
+        <p14:creationId xmlns:p14="http://schemas.microsoft.com/office/powerpoint/2010/main" val="3762681644"/>
       </p:ext>
     </p:extLst>
   </p:cSld>
